--- a/Info/Преза.pptx
+++ b/Info/Преза.pptx
@@ -5,10 +5,10 @@
     <p:sldMasterId id="2147483648" r:id="rId1"/>
   </p:sldMasterIdLst>
   <p:notesMasterIdLst>
-    <p:notesMasterId r:id="rId14"/>
+    <p:notesMasterId r:id="rId15"/>
   </p:notesMasterIdLst>
   <p:handoutMasterIdLst>
-    <p:handoutMasterId r:id="rId15"/>
+    <p:handoutMasterId r:id="rId16"/>
   </p:handoutMasterIdLst>
   <p:sldIdLst>
     <p:sldId id="256" r:id="rId3"/>
@@ -16,12 +16,13 @@
     <p:sldId id="258" r:id="rId5"/>
     <p:sldId id="259" r:id="rId6"/>
     <p:sldId id="260" r:id="rId7"/>
-    <p:sldId id="261" r:id="rId8"/>
-    <p:sldId id="262" r:id="rId9"/>
-    <p:sldId id="263" r:id="rId10"/>
-    <p:sldId id="264" r:id="rId11"/>
-    <p:sldId id="265" r:id="rId12"/>
-    <p:sldId id="266" r:id="rId13"/>
+    <p:sldId id="268" r:id="rId8"/>
+    <p:sldId id="261" r:id="rId9"/>
+    <p:sldId id="262" r:id="rId10"/>
+    <p:sldId id="263" r:id="rId11"/>
+    <p:sldId id="264" r:id="rId12"/>
+    <p:sldId id="265" r:id="rId13"/>
+    <p:sldId id="266" r:id="rId14"/>
   </p:sldIdLst>
   <p:sldSz cx="12192000" cy="6858000"/>
   <p:notesSz cx="7103745" cy="10234295"/>
@@ -3668,6 +3669,179 @@
                 <a:latin typeface="Ethnocentric" panose="00000400000000000000" charset="0"/>
                 <a:cs typeface="Ethnocentric" panose="00000400000000000000" charset="0"/>
               </a:rPr>
+              <a:t>Screenshots</a:t>
+            </a:r>
+            <a:endParaRPr lang="en-US" altLang="ru-RU">
+              <a:solidFill>
+                <a:schemeClr val="bg2">
+                  <a:lumMod val="90000"/>
+                </a:schemeClr>
+              </a:solidFill>
+              <a:latin typeface="Ethnocentric" panose="00000400000000000000" charset="0"/>
+              <a:cs typeface="Ethnocentric" panose="00000400000000000000" charset="0"/>
+            </a:endParaRPr>
+          </a:p>
+        </p:txBody>
+      </p:sp>
+      <p:pic>
+        <p:nvPicPr>
+          <p:cNvPr id="4" name="Изображение 3" descr="chat"/>
+          <p:cNvPicPr>
+            <a:picLocks noChangeAspect="1"/>
+          </p:cNvPicPr>
+          <p:nvPr/>
+        </p:nvPicPr>
+        <p:blipFill>
+          <a:blip r:embed="rId1"/>
+          <a:stretch>
+            <a:fillRect/>
+          </a:stretch>
+        </p:blipFill>
+        <p:spPr>
+          <a:xfrm>
+            <a:off x="647700" y="1584325"/>
+            <a:ext cx="7260590" cy="4084320"/>
+          </a:xfrm>
+          <a:prstGeom prst="rect">
+            <a:avLst/>
+          </a:prstGeom>
+        </p:spPr>
+      </p:pic>
+      <p:sp>
+        <p:nvSpPr>
+          <p:cNvPr id="5" name="Текстовое поле 4"/>
+          <p:cNvSpPr txBox="1"/>
+          <p:nvPr/>
+        </p:nvSpPr>
+        <p:spPr>
+          <a:xfrm>
+            <a:off x="7908290" y="1584325"/>
+            <a:ext cx="3255010" cy="521970"/>
+          </a:xfrm>
+          <a:prstGeom prst="rect">
+            <a:avLst/>
+          </a:prstGeom>
+          <a:noFill/>
+        </p:spPr>
+        <p:txBody>
+          <a:bodyPr wrap="square" rtlCol="0">
+            <a:spAutoFit/>
+          </a:bodyPr>
+          <a:p>
+            <a:r>
+              <a:rPr lang="ru-RU" altLang="ru-RU" sz="2800">
+                <a:solidFill>
+                  <a:schemeClr val="accent3"/>
+                </a:solidFill>
+                <a:latin typeface="Bahnschrift" panose="020B0502040204020203" charset="0"/>
+                <a:cs typeface="Bahnschrift" panose="020B0502040204020203" charset="0"/>
+              </a:rPr>
+              <a:t>Вкладка чата</a:t>
+            </a:r>
+            <a:endParaRPr lang="ru-RU" altLang="ru-RU" sz="2800">
+              <a:solidFill>
+                <a:schemeClr val="accent3"/>
+              </a:solidFill>
+              <a:latin typeface="Bahnschrift" panose="020B0502040204020203" charset="0"/>
+              <a:cs typeface="Bahnschrift" panose="020B0502040204020203" charset="0"/>
+            </a:endParaRPr>
+          </a:p>
+        </p:txBody>
+      </p:sp>
+      <p:sp>
+        <p:nvSpPr>
+          <p:cNvPr id="6" name="Текстовое поле 5"/>
+          <p:cNvSpPr txBox="1"/>
+          <p:nvPr/>
+        </p:nvSpPr>
+        <p:spPr>
+          <a:xfrm>
+            <a:off x="7908290" y="2106295"/>
+            <a:ext cx="3255010" cy="953135"/>
+          </a:xfrm>
+          <a:prstGeom prst="rect">
+            <a:avLst/>
+          </a:prstGeom>
+          <a:noFill/>
+        </p:spPr>
+        <p:txBody>
+          <a:bodyPr wrap="square" rtlCol="0">
+            <a:spAutoFit/>
+          </a:bodyPr>
+          <a:p>
+            <a:r>
+              <a:rPr lang="ru-RU" altLang="ru-RU" sz="2800">
+                <a:solidFill>
+                  <a:schemeClr val="accent3"/>
+                </a:solidFill>
+                <a:latin typeface="Bahnschrift" panose="020B0502040204020203" charset="0"/>
+                <a:cs typeface="Bahnschrift" panose="020B0502040204020203" charset="0"/>
+              </a:rPr>
+              <a:t>Вся игра выглядит примерно так</a:t>
+            </a:r>
+            <a:endParaRPr lang="ru-RU" altLang="ru-RU" sz="2800">
+              <a:solidFill>
+                <a:schemeClr val="accent3"/>
+              </a:solidFill>
+              <a:latin typeface="Bahnschrift" panose="020B0502040204020203" charset="0"/>
+              <a:cs typeface="Bahnschrift" panose="020B0502040204020203" charset="0"/>
+            </a:endParaRPr>
+          </a:p>
+        </p:txBody>
+      </p:sp>
+    </p:spTree>
+  </p:cSld>
+  <p:clrMapOvr>
+    <a:masterClrMapping/>
+  </p:clrMapOvr>
+</p:sld>
+</file>
+
+<file path=ppt/slides/slide11.xml><?xml version="1.0" encoding="utf-8"?>
+<p:sld xmlns:a="http://schemas.openxmlformats.org/drawingml/2006/main" xmlns:r="http://schemas.openxmlformats.org/officeDocument/2006/relationships" xmlns:p="http://schemas.openxmlformats.org/presentationml/2006/main">
+  <p:cSld>
+    <p:bg>
+      <p:bgPr>
+        <a:solidFill>
+          <a:schemeClr val="tx1">
+            <a:lumMod val="85000"/>
+            <a:lumOff val="15000"/>
+          </a:schemeClr>
+        </a:solidFill>
+        <a:effectLst/>
+      </p:bgPr>
+    </p:bg>
+    <p:spTree>
+      <p:nvGrpSpPr>
+        <p:cNvPr id="1" name=""/>
+        <p:cNvGrpSpPr/>
+        <p:nvPr/>
+      </p:nvGrpSpPr>
+      <p:grpSpPr/>
+      <p:sp>
+        <p:nvSpPr>
+          <p:cNvPr id="2" name="Заголовок 1"/>
+          <p:cNvSpPr>
+            <a:spLocks noGrp="1"/>
+          </p:cNvSpPr>
+          <p:nvPr>
+            <p:ph type="title"/>
+          </p:nvPr>
+        </p:nvSpPr>
+        <p:spPr/>
+        <p:txBody>
+          <a:bodyPr/>
+          <a:p>
+            <a:r>
+              <a:rPr lang="en-US" altLang="ru-RU">
+                <a:solidFill>
+                  <a:schemeClr val="bg2">
+                    <a:lumMod val="90000"/>
+                  </a:schemeClr>
+                </a:solidFill>
+                <a:latin typeface="Ethnocentric" panose="00000400000000000000" charset="0"/>
+                <a:cs typeface="Ethnocentric" panose="00000400000000000000" charset="0"/>
+              </a:rPr>
               <a:t>Concept arts</a:t>
             </a:r>
             <a:endParaRPr lang="en-US" altLang="ru-RU">
@@ -3718,7 +3892,7 @@
 </p:sld>
 </file>
 
-<file path=ppt/slides/slide11.xml><?xml version="1.0" encoding="utf-8"?>
+<file path=ppt/slides/slide12.xml><?xml version="1.0" encoding="utf-8"?>
 <p:sld xmlns:a="http://schemas.openxmlformats.org/drawingml/2006/main" xmlns:r="http://schemas.openxmlformats.org/officeDocument/2006/relationships" xmlns:p="http://schemas.openxmlformats.org/presentationml/2006/main">
   <p:cSld>
     <p:bg>
@@ -4203,10 +4377,13 @@
                             </p:stCondLst>
                             <p:childTnLst>
                               <p:par>
-                                <p:cTn id="5" presetID="22" presetClass="entr" presetSubtype="1" fill="hold" grpId="0" nodeType="clickEffect">
+                                <p:cTn id="5" presetID="1" presetClass="entr" presetSubtype="0" fill="hold" grpId="0" nodeType="clickEffect">
                                   <p:stCondLst>
                                     <p:cond delay="0"/>
                                   </p:stCondLst>
+                                  <p:iterate type="lt">
+                                    <p:tmAbs val="20"/>
+                                  </p:iterate>
                                   <p:childTnLst>
                                     <p:set>
                                       <p:cBhvr>
@@ -4226,26 +4403,21 @@
                                         <p:strVal val="visible"/>
                                       </p:to>
                                     </p:set>
-                                    <p:animEffect transition="in" filter="wipe(up)">
-                                      <p:cBhvr>
-                                        <p:cTn id="7" dur="500"/>
-                                        <p:tgtEl>
-                                          <p:spTgt spid="5"/>
-                                        </p:tgtEl>
-                                      </p:cBhvr>
-                                    </p:animEffect>
                                   </p:childTnLst>
                                 </p:cTn>
                               </p:par>
                               <p:par>
-                                <p:cTn id="8" presetID="22" presetClass="entr" presetSubtype="1" fill="hold" nodeType="withEffect">
+                                <p:cTn id="7" presetID="22" presetClass="entr" presetSubtype="8" fill="hold" nodeType="withEffect">
                                   <p:stCondLst>
                                     <p:cond delay="0"/>
                                   </p:stCondLst>
+                                  <p:iterate type="lt">
+                                    <p:tmPct val="30"/>
+                                  </p:iterate>
                                   <p:childTnLst>
                                     <p:set>
                                       <p:cBhvr>
-                                        <p:cTn id="9" dur="1" fill="hold">
+                                        <p:cTn id="8" dur="1" fill="hold">
                                           <p:stCondLst>
                                             <p:cond delay="0"/>
                                           </p:stCondLst>
@@ -4261,9 +4433,9 @@
                                         <p:strVal val="visible"/>
                                       </p:to>
                                     </p:set>
-                                    <p:animEffect transition="in" filter="wipe(up)">
+                                    <p:animEffect transition="in" filter="wipe(left)">
                                       <p:cBhvr>
-                                        <p:cTn id="10" dur="500"/>
+                                        <p:cTn id="9" dur="500"/>
                                         <p:tgtEl>
                                           <p:spTgt spid="6"/>
                                         </p:tgtEl>
@@ -4908,10 +5080,13 @@
                             </p:stCondLst>
                             <p:childTnLst>
                               <p:par>
-                                <p:cTn id="5" presetID="22" presetClass="entr" presetSubtype="1" fill="hold" grpId="0" nodeType="clickEffect">
+                                <p:cTn id="5" presetID="1" presetClass="entr" presetSubtype="0" fill="hold" grpId="0" nodeType="clickEffect">
                                   <p:stCondLst>
                                     <p:cond delay="0"/>
                                   </p:stCondLst>
+                                  <p:iterate type="lt">
+                                    <p:tmAbs val="20"/>
+                                  </p:iterate>
                                   <p:childTnLst>
                                     <p:set>
                                       <p:cBhvr>
@@ -4931,14 +5106,6 @@
                                         <p:strVal val="visible"/>
                                       </p:to>
                                     </p:set>
-                                    <p:animEffect transition="in" filter="wipe(up)">
-                                      <p:cBhvr>
-                                        <p:cTn id="7" dur="500"/>
-                                        <p:tgtEl>
-                                          <p:spTgt spid="9"/>
-                                        </p:tgtEl>
-                                      </p:cBhvr>
-                                    </p:animEffect>
                                   </p:childTnLst>
                                 </p:cTn>
                               </p:par>
@@ -5564,6 +5731,9 @@
                                   <p:stCondLst>
                                     <p:cond delay="0"/>
                                   </p:stCondLst>
+                                  <p:iterate type="lt">
+                                    <p:tmAbs val="20"/>
+                                  </p:iterate>
                                   <p:childTnLst>
                                     <p:set>
                                       <p:cBhvr>
@@ -5609,6 +5779,9 @@
                                   <p:stCondLst>
                                     <p:cond delay="0"/>
                                   </p:stCondLst>
+                                  <p:iterate type="lt">
+                                    <p:tmAbs val="20"/>
+                                  </p:iterate>
                                   <p:childTnLst>
                                     <p:set>
                                       <p:cBhvr>
@@ -6756,10 +6929,13 @@
                             </p:stCondLst>
                             <p:childTnLst>
                               <p:par>
-                                <p:cTn id="5" presetID="22" presetClass="entr" presetSubtype="1" fill="hold" grpId="0" nodeType="clickEffect">
+                                <p:cTn id="5" presetID="1" presetClass="entr" presetSubtype="0" fill="hold" grpId="0" nodeType="clickEffect">
                                   <p:stCondLst>
                                     <p:cond delay="0"/>
                                   </p:stCondLst>
+                                  <p:iterate type="lt">
+                                    <p:tmAbs val="20"/>
+                                  </p:iterate>
                                   <p:childTnLst>
                                     <p:set>
                                       <p:cBhvr>
@@ -6779,14 +6955,6 @@
                                         <p:strVal val="visible"/>
                                       </p:to>
                                     </p:set>
-                                    <p:animEffect transition="in" filter="wipe(up)">
-                                      <p:cBhvr>
-                                        <p:cTn id="7" dur="500"/>
-                                        <p:tgtEl>
-                                          <p:spTgt spid="8"/>
-                                        </p:tgtEl>
-                                      </p:cBhvr>
-                                    </p:animEffect>
                                   </p:childTnLst>
                                 </p:cTn>
                               </p:par>
@@ -6797,26 +6965,29 @@
                     </p:cTn>
                   </p:par>
                   <p:par>
-                    <p:cTn id="8" fill="hold">
+                    <p:cTn id="7" fill="hold">
                       <p:stCondLst>
                         <p:cond delay="indefinite"/>
                       </p:stCondLst>
                       <p:childTnLst>
                         <p:par>
-                          <p:cTn id="9" fill="hold">
+                          <p:cTn id="8" fill="hold">
                             <p:stCondLst>
                               <p:cond delay="0"/>
                             </p:stCondLst>
                             <p:childTnLst>
                               <p:par>
-                                <p:cTn id="10" presetID="22" presetClass="entr" presetSubtype="1" fill="hold" grpId="0" nodeType="clickEffect">
+                                <p:cTn id="9" presetID="1" presetClass="entr" presetSubtype="0" fill="hold" grpId="0" nodeType="clickEffect">
                                   <p:stCondLst>
                                     <p:cond delay="0"/>
                                   </p:stCondLst>
+                                  <p:iterate type="lt">
+                                    <p:tmAbs val="20"/>
+                                  </p:iterate>
                                   <p:childTnLst>
                                     <p:set>
                                       <p:cBhvr>
-                                        <p:cTn id="11" dur="1" fill="hold">
+                                        <p:cTn id="10" dur="1" fill="hold">
                                           <p:stCondLst>
                                             <p:cond delay="0"/>
                                           </p:stCondLst>
@@ -6832,14 +7003,6 @@
                                         <p:strVal val="visible"/>
                                       </p:to>
                                     </p:set>
-                                    <p:animEffect transition="in" filter="wipe(up)">
-                                      <p:cBhvr>
-                                        <p:cTn id="12" dur="500"/>
-                                        <p:tgtEl>
-                                          <p:spTgt spid="9"/>
-                                        </p:tgtEl>
-                                      </p:cBhvr>
-                                    </p:animEffect>
                                   </p:childTnLst>
                                 </p:cTn>
                               </p:par>
@@ -6850,26 +7013,29 @@
                     </p:cTn>
                   </p:par>
                   <p:par>
-                    <p:cTn id="13" fill="hold">
+                    <p:cTn id="11" fill="hold">
                       <p:stCondLst>
                         <p:cond delay="indefinite"/>
                       </p:stCondLst>
                       <p:childTnLst>
                         <p:par>
-                          <p:cTn id="14" fill="hold">
+                          <p:cTn id="12" fill="hold">
                             <p:stCondLst>
                               <p:cond delay="0"/>
                             </p:stCondLst>
                             <p:childTnLst>
                               <p:par>
-                                <p:cTn id="15" presetID="22" presetClass="entr" presetSubtype="1" fill="hold" grpId="0" nodeType="clickEffect">
+                                <p:cTn id="13" presetID="1" presetClass="entr" presetSubtype="0" fill="hold" grpId="0" nodeType="clickEffect">
                                   <p:stCondLst>
                                     <p:cond delay="0"/>
                                   </p:stCondLst>
+                                  <p:iterate type="lt">
+                                    <p:tmAbs val="20"/>
+                                  </p:iterate>
                                   <p:childTnLst>
                                     <p:set>
                                       <p:cBhvr>
-                                        <p:cTn id="16" dur="1" fill="hold">
+                                        <p:cTn id="14" dur="1" fill="hold">
                                           <p:stCondLst>
                                             <p:cond delay="0"/>
                                           </p:stCondLst>
@@ -6885,14 +7051,6 @@
                                         <p:strVal val="visible"/>
                                       </p:to>
                                     </p:set>
-                                    <p:animEffect transition="in" filter="wipe(up)">
-                                      <p:cBhvr>
-                                        <p:cTn id="17" dur="500"/>
-                                        <p:tgtEl>
-                                          <p:spTgt spid="10"/>
-                                        </p:tgtEl>
-                                      </p:cBhvr>
-                                    </p:animEffect>
                                   </p:childTnLst>
                                 </p:cTn>
                               </p:par>
@@ -6903,26 +7061,29 @@
                     </p:cTn>
                   </p:par>
                   <p:par>
-                    <p:cTn id="18" fill="hold">
+                    <p:cTn id="15" fill="hold">
                       <p:stCondLst>
                         <p:cond delay="indefinite"/>
                       </p:stCondLst>
                       <p:childTnLst>
                         <p:par>
-                          <p:cTn id="19" fill="hold">
+                          <p:cTn id="16" fill="hold">
                             <p:stCondLst>
                               <p:cond delay="0"/>
                             </p:stCondLst>
                             <p:childTnLst>
                               <p:par>
-                                <p:cTn id="20" presetID="22" presetClass="entr" presetSubtype="1" fill="hold" grpId="0" nodeType="clickEffect">
+                                <p:cTn id="17" presetID="1" presetClass="entr" presetSubtype="0" fill="hold" grpId="0" nodeType="clickEffect">
                                   <p:stCondLst>
                                     <p:cond delay="0"/>
                                   </p:stCondLst>
+                                  <p:iterate type="lt">
+                                    <p:tmAbs val="20"/>
+                                  </p:iterate>
                                   <p:childTnLst>
                                     <p:set>
                                       <p:cBhvr>
-                                        <p:cTn id="21" dur="1" fill="hold">
+                                        <p:cTn id="18" dur="1" fill="hold">
                                           <p:stCondLst>
                                             <p:cond delay="0"/>
                                           </p:stCondLst>
@@ -6938,14 +7099,6 @@
                                         <p:strVal val="visible"/>
                                       </p:to>
                                     </p:set>
-                                    <p:animEffect transition="in" filter="wipe(up)">
-                                      <p:cBhvr>
-                                        <p:cTn id="22" dur="500"/>
-                                        <p:tgtEl>
-                                          <p:spTgt spid="11"/>
-                                        </p:tgtEl>
-                                      </p:cBhvr>
-                                    </p:animEffect>
                                   </p:childTnLst>
                                 </p:cTn>
                               </p:par>
@@ -7032,7 +7185,7 @@
                 <a:latin typeface="Ethnocentric" panose="00000400000000000000" charset="0"/>
                 <a:cs typeface="Ethnocentric" panose="00000400000000000000" charset="0"/>
               </a:rPr>
-              <a:t>Libraries &amp; Modules</a:t>
+              <a:t>Structure &amp; classes</a:t>
             </a:r>
             <a:endParaRPr lang="en-US" altLang="ru-RU">
               <a:solidFill>
@@ -7059,17 +7212,14 @@
         <p:spPr>
           <a:xfrm>
             <a:off x="647700" y="1584325"/>
-            <a:ext cx="10515600" cy="4721225"/>
+            <a:ext cx="10515600" cy="4769485"/>
           </a:xfrm>
         </p:spPr>
         <p:txBody>
-          <a:bodyPr/>
-          <a:p>
-            <a:pPr>
-              <a:lnSpc>
-                <a:spcPct val="120000"/>
-              </a:lnSpc>
-            </a:pPr>
+          <a:bodyPr>
+            <a:normAutofit/>
+          </a:bodyPr>
+          <a:p>
             <a:r>
               <a:rPr lang="ru-RU">
                 <a:solidFill>
@@ -7078,19 +7228,9 @@
                 <a:latin typeface="Bahnschrift" panose="020B0502040204020203" charset="0"/>
                 <a:cs typeface="Bahnschrift" panose="020B0502040204020203" charset="0"/>
               </a:rPr>
-              <a:t>Мы использовали следующие библиотеки</a:t>
-            </a:r>
-            <a:r>
-              <a:rPr lang="en-US">
-                <a:solidFill>
-                  <a:schemeClr val="accent3"/>
-                </a:solidFill>
-                <a:latin typeface="Bahnschrift" panose="020B0502040204020203" charset="0"/>
-                <a:cs typeface="Bahnschrift" panose="020B0502040204020203" charset="0"/>
-              </a:rPr>
-              <a:t>:</a:t>
-            </a:r>
-            <a:endParaRPr lang="en-US">
+              <a:t>Есть куча кода, отвечающего за сервер.</a:t>
+            </a:r>
+            <a:endParaRPr lang="ru-RU">
               <a:solidFill>
                 <a:schemeClr val="accent3"/>
               </a:solidFill>
@@ -7099,22 +7239,37 @@
             </a:endParaRPr>
           </a:p>
           <a:p>
-            <a:pPr>
-              <a:lnSpc>
-                <a:spcPct val="120000"/>
-              </a:lnSpc>
-            </a:pPr>
-            <a:r>
-              <a:rPr lang="en-US">
+            <a:r>
+              <a:rPr lang="ru-RU">
                 <a:solidFill>
                   <a:schemeClr val="accent3"/>
                 </a:solidFill>
                 <a:latin typeface="Bahnschrift" panose="020B0502040204020203" charset="0"/>
                 <a:cs typeface="Bahnschrift" panose="020B0502040204020203" charset="0"/>
               </a:rPr>
-              <a:t>  1. Flask</a:t>
-            </a:r>
-            <a:endParaRPr lang="en-US">
+              <a:t>Есть файл </a:t>
+            </a:r>
+            <a:r>
+              <a:rPr lang="en-US" altLang="ru-RU">
+                <a:solidFill>
+                  <a:schemeClr val="accent3"/>
+                </a:solidFill>
+                <a:latin typeface="Bahnschrift" panose="020B0502040204020203" charset="0"/>
+                <a:cs typeface="Bahnschrift" panose="020B0502040204020203" charset="0"/>
+              </a:rPr>
+              <a:t>Command/commands.py, </a:t>
+            </a:r>
+            <a:r>
+              <a:rPr lang="ru-RU" altLang="ru-RU">
+                <a:solidFill>
+                  <a:schemeClr val="accent3"/>
+                </a:solidFill>
+                <a:latin typeface="Bahnschrift" panose="020B0502040204020203" charset="0"/>
+                <a:cs typeface="Bahnschrift" panose="020B0502040204020203" charset="0"/>
+              </a:rPr>
+              <a:t>в котором лежат все не боевые команды и функции.</a:t>
+            </a:r>
+            <a:endParaRPr lang="ru-RU" altLang="ru-RU">
               <a:solidFill>
                 <a:schemeClr val="accent3"/>
               </a:solidFill>
@@ -7123,80 +7278,70 @@
             </a:endParaRPr>
           </a:p>
           <a:p>
-            <a:pPr>
-              <a:lnSpc>
-                <a:spcPct val="120000"/>
-              </a:lnSpc>
-            </a:pPr>
-            <a:r>
-              <a:rPr lang="en-US">
+            <a:r>
+              <a:rPr lang="ru-RU">
                 <a:solidFill>
                   <a:schemeClr val="accent3"/>
                 </a:solidFill>
                 <a:latin typeface="Bahnschrift" panose="020B0502040204020203" charset="0"/>
                 <a:cs typeface="Bahnschrift" panose="020B0502040204020203" charset="0"/>
+                <a:sym typeface="+mn-ea"/>
               </a:rPr>
-              <a:t>  2. SQLAlchemy</a:t>
-            </a:r>
-            <a:endParaRPr lang="en-US">
+              <a:t>Есть файл </a:t>
+            </a:r>
+            <a:r>
+              <a:rPr lang="en-US" altLang="ru-RU">
+                <a:solidFill>
+                  <a:schemeClr val="accent3"/>
+                </a:solidFill>
+                <a:latin typeface="Bahnschrift" panose="020B0502040204020203" charset="0"/>
+                <a:cs typeface="Bahnschrift" panose="020B0502040204020203" charset="0"/>
+                <a:sym typeface="+mn-ea"/>
+              </a:rPr>
+              <a:t>Command/battle.py, </a:t>
+            </a:r>
+            <a:r>
+              <a:rPr lang="ru-RU" altLang="ru-RU">
+                <a:solidFill>
+                  <a:schemeClr val="accent3"/>
+                </a:solidFill>
+                <a:latin typeface="Bahnschrift" panose="020B0502040204020203" charset="0"/>
+                <a:cs typeface="Bahnschrift" panose="020B0502040204020203" charset="0"/>
+                <a:sym typeface="+mn-ea"/>
+              </a:rPr>
+              <a:t>в котором лежат всебоевые команды и функции.</a:t>
+            </a:r>
+            <a:endParaRPr lang="ru-RU" altLang="ru-RU">
               <a:solidFill>
                 <a:schemeClr val="accent3"/>
               </a:solidFill>
               <a:latin typeface="Bahnschrift" panose="020B0502040204020203" charset="0"/>
               <a:cs typeface="Bahnschrift" panose="020B0502040204020203" charset="0"/>
+              <a:sym typeface="+mn-ea"/>
             </a:endParaRPr>
           </a:p>
           <a:p>
-            <a:pPr>
-              <a:lnSpc>
-                <a:spcPct val="120000"/>
-              </a:lnSpc>
-            </a:pPr>
-            <a:r>
-              <a:rPr lang="en-US">
+            <a:r>
+              <a:rPr lang="ru-RU" altLang="ru-RU">
                 <a:solidFill>
                   <a:schemeClr val="accent6"/>
                 </a:solidFill>
                 <a:latin typeface="Bahnschrift" panose="020B0502040204020203" charset="0"/>
                 <a:cs typeface="Bahnschrift" panose="020B0502040204020203" charset="0"/>
               </a:rPr>
-              <a:t>? </a:t>
-            </a:r>
-            <a:r>
-              <a:rPr lang="en-US">
-                <a:solidFill>
-                  <a:schemeClr val="accent3"/>
+              <a:t>Каждую отдельно не опишем - их </a:t>
+            </a:r>
+            <a:r>
+              <a:rPr lang="en-US" altLang="ru-RU">
+                <a:solidFill>
+                  <a:schemeClr val="accent6"/>
                 </a:solidFill>
                 <a:latin typeface="Bahnschrift" panose="020B0502040204020203" charset="0"/>
                 <a:cs typeface="Bahnschrift" panose="020B0502040204020203" charset="0"/>
               </a:rPr>
-              <a:t>4. Flask-RESTful</a:t>
-            </a:r>
-            <a:endParaRPr lang="en-US">
-              <a:solidFill>
-                <a:schemeClr val="accent3"/>
-              </a:solidFill>
-              <a:latin typeface="Bahnschrift" panose="020B0502040204020203" charset="0"/>
-              <a:cs typeface="Bahnschrift" panose="020B0502040204020203" charset="0"/>
-            </a:endParaRPr>
-          </a:p>
-          <a:p>
-            <a:pPr>
-              <a:lnSpc>
-                <a:spcPct val="120000"/>
-              </a:lnSpc>
-            </a:pPr>
-            <a:r>
-              <a:rPr lang="en-US">
-                <a:solidFill>
-                  <a:schemeClr val="accent3"/>
-                </a:solidFill>
-                <a:latin typeface="Bahnschrift" panose="020B0502040204020203" charset="0"/>
-                <a:cs typeface="Bahnschrift" panose="020B0502040204020203" charset="0"/>
-              </a:rPr>
-              <a:t>  3. Cryptography</a:t>
-            </a:r>
-            <a:endParaRPr lang="ru-RU" altLang="en-US">
+              <a:t>&gt;50</a:t>
+            </a:r>
+            <a:endParaRPr lang="en-US" altLang="ru-RU">
               <a:solidFill>
                 <a:schemeClr val="accent6"/>
               </a:solidFill>
@@ -7211,6 +7356,13 @@
   <p:clrMapOvr>
     <a:masterClrMapping/>
   </p:clrMapOvr>
+  <p:timing>
+    <p:tnLst>
+      <p:par>
+        <p:cTn id="1" dur="indefinite" restart="never" nodeType="tmRoot"/>
+      </p:par>
+    </p:tnLst>
+  </p:timing>
 </p:sld>
 </file>
 
@@ -7259,7 +7411,7 @@
                 <a:latin typeface="Ethnocentric" panose="00000400000000000000" charset="0"/>
                 <a:cs typeface="Ethnocentric" panose="00000400000000000000" charset="0"/>
               </a:rPr>
-              <a:t>Other cool stuff</a:t>
+              <a:t>Libraries &amp; Modules</a:t>
             </a:r>
             <a:endParaRPr lang="en-US" altLang="ru-RU">
               <a:solidFill>
@@ -7302,53 +7454,27 @@
                 <a:solidFill>
                   <a:schemeClr val="accent3"/>
                 </a:solidFill>
+                <a:latin typeface="Bahnschrift" panose="020B0502040204020203" charset="0"/>
+                <a:cs typeface="Bahnschrift" panose="020B0502040204020203" charset="0"/>
               </a:rPr>
-              <a:t>Со стороны клиента мы написали очень крутые </a:t>
-            </a:r>
-            <a:r>
-              <a:rPr lang="ru-RU">
-                <a:solidFill>
-                  <a:schemeClr val="accent6"/>
-                </a:solidFill>
+              <a:t>Мы использовали следующие библиотеки</a:t>
+            </a:r>
+            <a:r>
+              <a:rPr lang="en-US">
+                <a:solidFill>
+                  <a:schemeClr val="accent3"/>
+                </a:solidFill>
+                <a:latin typeface="Bahnschrift" panose="020B0502040204020203" charset="0"/>
+                <a:cs typeface="Bahnschrift" panose="020B0502040204020203" charset="0"/>
               </a:rPr>
-              <a:t>(нет)</a:t>
-            </a:r>
-            <a:r>
-              <a:rPr lang="ru-RU">
-                <a:solidFill>
-                  <a:schemeClr val="accent3"/>
-                </a:solidFill>
-              </a:rPr>
-              <a:t> функции на языке </a:t>
-            </a:r>
-            <a:r>
-              <a:rPr lang="en-US">
-                <a:solidFill>
-                  <a:schemeClr val="accent3"/>
-                </a:solidFill>
-              </a:rPr>
-              <a:t>JavaScript </a:t>
-            </a:r>
-            <a:r>
-              <a:rPr lang="ru-RU" altLang="en-US">
-                <a:solidFill>
-                  <a:schemeClr val="accent3"/>
-                </a:solidFill>
-              </a:rPr>
-              <a:t>и использовали библиотеку </a:t>
-            </a:r>
-            <a:r>
-              <a:rPr lang="en-US" altLang="en-US">
-                <a:solidFill>
-                  <a:schemeClr val="accent3"/>
-                </a:solidFill>
-              </a:rPr>
-              <a:t>jQuerry.</a:t>
-            </a:r>
-            <a:endParaRPr lang="en-US" altLang="en-US">
+              <a:t>:</a:t>
+            </a:r>
+            <a:endParaRPr lang="en-US">
               <a:solidFill>
                 <a:schemeClr val="accent3"/>
               </a:solidFill>
+              <a:latin typeface="Bahnschrift" panose="020B0502040204020203" charset="0"/>
+              <a:cs typeface="Bahnschrift" panose="020B0502040204020203" charset="0"/>
             </a:endParaRPr>
           </a:p>
           <a:p>
@@ -7358,33 +7484,21 @@
               </a:lnSpc>
             </a:pPr>
             <a:r>
-              <a:rPr lang="ru-RU" altLang="en-US">
+              <a:rPr lang="en-US">
                 <a:solidFill>
                   <a:schemeClr val="accent3"/>
                 </a:solidFill>
+                <a:latin typeface="Bahnschrift" panose="020B0502040204020203" charset="0"/>
+                <a:cs typeface="Bahnschrift" panose="020B0502040204020203" charset="0"/>
               </a:rPr>
-              <a:t>Для постоянного обмена информацией с сервером мы юзали </a:t>
-            </a:r>
-            <a:r>
-              <a:rPr lang="en-US" altLang="en-US">
-                <a:solidFill>
-                  <a:schemeClr val="accent3"/>
-                </a:solidFill>
-              </a:rPr>
-              <a:t>Ajax</a:t>
-            </a:r>
-            <a:r>
-              <a:rPr lang="ru-RU" altLang="en-US">
-                <a:solidFill>
-                  <a:schemeClr val="accent3"/>
-                </a:solidFill>
-              </a:rPr>
-              <a:t> - под-библиотеку для отправки запросов с сайта, а не через браузерную строку.</a:t>
-            </a:r>
-            <a:endParaRPr lang="en-US" altLang="en-US">
+              <a:t>  1. Flask</a:t>
+            </a:r>
+            <a:endParaRPr lang="en-US">
               <a:solidFill>
                 <a:schemeClr val="accent3"/>
               </a:solidFill>
+              <a:latin typeface="Bahnschrift" panose="020B0502040204020203" charset="0"/>
+              <a:cs typeface="Bahnschrift" panose="020B0502040204020203" charset="0"/>
             </a:endParaRPr>
           </a:p>
           <a:p>
@@ -7393,10 +7507,22 @@
                 <a:spcPct val="120000"/>
               </a:lnSpc>
             </a:pPr>
-            <a:endParaRPr lang="en-US" altLang="en-US">
+            <a:r>
+              <a:rPr lang="en-US">
+                <a:solidFill>
+                  <a:schemeClr val="accent3"/>
+                </a:solidFill>
+                <a:latin typeface="Bahnschrift" panose="020B0502040204020203" charset="0"/>
+                <a:cs typeface="Bahnschrift" panose="020B0502040204020203" charset="0"/>
+              </a:rPr>
+              <a:t>  2. SQLAlchemy</a:t>
+            </a:r>
+            <a:endParaRPr lang="en-US">
               <a:solidFill>
                 <a:schemeClr val="accent3"/>
               </a:solidFill>
+              <a:latin typeface="Bahnschrift" panose="020B0502040204020203" charset="0"/>
+              <a:cs typeface="Bahnschrift" panose="020B0502040204020203" charset="0"/>
             </a:endParaRPr>
           </a:p>
           <a:p>
@@ -7406,33 +7532,55 @@
               </a:lnSpc>
             </a:pPr>
             <a:r>
-              <a:rPr lang="en-US" altLang="en-US">
+              <a:rPr lang="en-US">
                 <a:solidFill>
                   <a:schemeClr val="accent6"/>
                 </a:solidFill>
+                <a:latin typeface="Bahnschrift" panose="020B0502040204020203" charset="0"/>
+                <a:cs typeface="Bahnschrift" panose="020B0502040204020203" charset="0"/>
               </a:rPr>
-              <a:t> </a:t>
-            </a:r>
-            <a:r>
-              <a:rPr lang="ru-RU" altLang="en-US">
-                <a:solidFill>
-                  <a:schemeClr val="accent6"/>
-                </a:solidFill>
+              <a:t>? </a:t>
+            </a:r>
+            <a:r>
+              <a:rPr lang="en-US">
+                <a:solidFill>
+                  <a:schemeClr val="accent3"/>
+                </a:solidFill>
+                <a:latin typeface="Bahnschrift" panose="020B0502040204020203" charset="0"/>
+                <a:cs typeface="Bahnschrift" panose="020B0502040204020203" charset="0"/>
               </a:rPr>
-              <a:t>Я потратил 6 часов на поиск </a:t>
-            </a:r>
-            <a:r>
-              <a:rPr lang="en-US" altLang="en-US">
-                <a:solidFill>
-                  <a:schemeClr val="accent6"/>
-                </a:solidFill>
+              <a:t>4. Flask-RESTful</a:t>
+            </a:r>
+            <a:endParaRPr lang="en-US">
+              <a:solidFill>
+                <a:schemeClr val="accent3"/>
+              </a:solidFill>
+              <a:latin typeface="Bahnschrift" panose="020B0502040204020203" charset="0"/>
+              <a:cs typeface="Bahnschrift" panose="020B0502040204020203" charset="0"/>
+            </a:endParaRPr>
+          </a:p>
+          <a:p>
+            <a:pPr>
+              <a:lnSpc>
+                <a:spcPct val="120000"/>
+              </a:lnSpc>
+            </a:pPr>
+            <a:r>
+              <a:rPr lang="en-US">
+                <a:solidFill>
+                  <a:schemeClr val="accent3"/>
+                </a:solidFill>
+                <a:latin typeface="Bahnschrift" panose="020B0502040204020203" charset="0"/>
+                <a:cs typeface="Bahnschrift" panose="020B0502040204020203" charset="0"/>
               </a:rPr>
-              <a:t>AJAX! (╯°□°）╯︵ ┻━┻</a:t>
-            </a:r>
-            <a:endParaRPr lang="en-US" altLang="en-US">
+              <a:t>  3. Cryptography</a:t>
+            </a:r>
+            <a:endParaRPr lang="ru-RU" altLang="en-US">
               <a:solidFill>
                 <a:schemeClr val="accent6"/>
               </a:solidFill>
+              <a:latin typeface="Bahnschrift" panose="020B0502040204020203" charset="0"/>
+              <a:cs typeface="Bahnschrift" panose="020B0502040204020203" charset="0"/>
             </a:endParaRPr>
           </a:p>
         </p:txBody>
@@ -7490,7 +7638,7 @@
                 <a:latin typeface="Ethnocentric" panose="00000400000000000000" charset="0"/>
                 <a:cs typeface="Ethnocentric" panose="00000400000000000000" charset="0"/>
               </a:rPr>
-              <a:t>AJAX in a nutshell</a:t>
+              <a:t>Other cool stuff</a:t>
             </a:r>
             <a:endParaRPr lang="en-US" altLang="ru-RU">
               <a:solidFill>
@@ -7504,34 +7652,202 @@
           </a:p>
         </p:txBody>
       </p:sp>
-      <p:pic>
-        <p:nvPicPr>
-          <p:cNvPr id="101" name="Замещающее содержимое 100"/>
-          <p:cNvPicPr/>
-          <p:nvPr>
-            <p:ph idx="1"/>
-          </p:nvPr>
-        </p:nvPicPr>
-        <p:blipFill>
-          <a:blip r:embed="rId1"/>
-          <a:stretch>
-            <a:fillRect/>
-          </a:stretch>
-        </p:blipFill>
+      <p:sp>
+        <p:nvSpPr>
+          <p:cNvPr id="7" name="Замещающее содержимое 6"/>
+          <p:cNvSpPr>
+            <a:spLocks noGrp="1"/>
+          </p:cNvSpPr>
+          <p:nvPr>
+            <p:ph sz="half" idx="1"/>
+          </p:nvPr>
+        </p:nvSpPr>
         <p:spPr>
           <a:xfrm>
             <a:off x="647700" y="1584325"/>
-            <a:ext cx="10515600" cy="5032375"/>
+            <a:ext cx="10515600" cy="4721225"/>
           </a:xfrm>
-          <a:prstGeom prst="rect">
-            <a:avLst/>
-          </a:prstGeom>
-          <a:noFill/>
-          <a:ln w="9525">
-            <a:noFill/>
-          </a:ln>
         </p:spPr>
-      </p:pic>
+        <p:txBody>
+          <a:bodyPr/>
+          <a:p>
+            <a:pPr>
+              <a:lnSpc>
+                <a:spcPct val="120000"/>
+              </a:lnSpc>
+            </a:pPr>
+            <a:r>
+              <a:rPr lang="ru-RU">
+                <a:solidFill>
+                  <a:schemeClr val="accent3"/>
+                </a:solidFill>
+                <a:latin typeface="Bahnschrift" panose="020B0502040204020203" charset="0"/>
+                <a:cs typeface="Bahnschrift" panose="020B0502040204020203" charset="0"/>
+              </a:rPr>
+              <a:t>Со стороны клиента мы написали очень крутые </a:t>
+            </a:r>
+            <a:r>
+              <a:rPr lang="ru-RU">
+                <a:solidFill>
+                  <a:schemeClr val="accent6"/>
+                </a:solidFill>
+                <a:latin typeface="Bahnschrift" panose="020B0502040204020203" charset="0"/>
+                <a:cs typeface="Bahnschrift" panose="020B0502040204020203" charset="0"/>
+              </a:rPr>
+              <a:t>(нет)</a:t>
+            </a:r>
+            <a:r>
+              <a:rPr lang="ru-RU">
+                <a:solidFill>
+                  <a:schemeClr val="accent3"/>
+                </a:solidFill>
+                <a:latin typeface="Bahnschrift" panose="020B0502040204020203" charset="0"/>
+                <a:cs typeface="Bahnschrift" panose="020B0502040204020203" charset="0"/>
+              </a:rPr>
+              <a:t> функции на языке </a:t>
+            </a:r>
+            <a:r>
+              <a:rPr lang="en-US">
+                <a:solidFill>
+                  <a:schemeClr val="accent3"/>
+                </a:solidFill>
+                <a:latin typeface="Bahnschrift" panose="020B0502040204020203" charset="0"/>
+                <a:cs typeface="Bahnschrift" panose="020B0502040204020203" charset="0"/>
+              </a:rPr>
+              <a:t>JavaScript </a:t>
+            </a:r>
+            <a:r>
+              <a:rPr lang="ru-RU" altLang="en-US">
+                <a:solidFill>
+                  <a:schemeClr val="accent3"/>
+                </a:solidFill>
+                <a:latin typeface="Bahnschrift" panose="020B0502040204020203" charset="0"/>
+                <a:cs typeface="Bahnschrift" panose="020B0502040204020203" charset="0"/>
+              </a:rPr>
+              <a:t>и использовали библиотеку </a:t>
+            </a:r>
+            <a:r>
+              <a:rPr lang="en-US" altLang="en-US">
+                <a:solidFill>
+                  <a:schemeClr val="accent3"/>
+                </a:solidFill>
+                <a:latin typeface="Bahnschrift" panose="020B0502040204020203" charset="0"/>
+                <a:cs typeface="Bahnschrift" panose="020B0502040204020203" charset="0"/>
+              </a:rPr>
+              <a:t>jQuerry.</a:t>
+            </a:r>
+            <a:endParaRPr lang="en-US" altLang="en-US">
+              <a:solidFill>
+                <a:schemeClr val="accent3"/>
+              </a:solidFill>
+              <a:latin typeface="Bahnschrift" panose="020B0502040204020203" charset="0"/>
+              <a:cs typeface="Bahnschrift" panose="020B0502040204020203" charset="0"/>
+            </a:endParaRPr>
+          </a:p>
+          <a:p>
+            <a:pPr>
+              <a:lnSpc>
+                <a:spcPct val="120000"/>
+              </a:lnSpc>
+            </a:pPr>
+            <a:r>
+              <a:rPr lang="ru-RU" altLang="en-US">
+                <a:solidFill>
+                  <a:schemeClr val="accent3"/>
+                </a:solidFill>
+                <a:latin typeface="Bahnschrift" panose="020B0502040204020203" charset="0"/>
+                <a:cs typeface="Bahnschrift" panose="020B0502040204020203" charset="0"/>
+              </a:rPr>
+              <a:t>Для постоянного обмена информацией с сервером мы юзали </a:t>
+            </a:r>
+            <a:r>
+              <a:rPr lang="en-US" altLang="en-US">
+                <a:solidFill>
+                  <a:schemeClr val="accent3"/>
+                </a:solidFill>
+                <a:latin typeface="Bahnschrift" panose="020B0502040204020203" charset="0"/>
+                <a:cs typeface="Bahnschrift" panose="020B0502040204020203" charset="0"/>
+              </a:rPr>
+              <a:t>Ajax</a:t>
+            </a:r>
+            <a:r>
+              <a:rPr lang="ru-RU" altLang="en-US">
+                <a:solidFill>
+                  <a:schemeClr val="accent3"/>
+                </a:solidFill>
+                <a:latin typeface="Bahnschrift" panose="020B0502040204020203" charset="0"/>
+                <a:cs typeface="Bahnschrift" panose="020B0502040204020203" charset="0"/>
+              </a:rPr>
+              <a:t> - под-библиотеку для отправки запросов с сайта, а не через браузерную строку.</a:t>
+            </a:r>
+            <a:endParaRPr lang="en-US" altLang="en-US">
+              <a:solidFill>
+                <a:schemeClr val="accent3"/>
+              </a:solidFill>
+              <a:latin typeface="Bahnschrift" panose="020B0502040204020203" charset="0"/>
+              <a:cs typeface="Bahnschrift" panose="020B0502040204020203" charset="0"/>
+            </a:endParaRPr>
+          </a:p>
+          <a:p>
+            <a:pPr>
+              <a:lnSpc>
+                <a:spcPct val="120000"/>
+              </a:lnSpc>
+            </a:pPr>
+            <a:endParaRPr lang="en-US" altLang="en-US">
+              <a:solidFill>
+                <a:schemeClr val="accent3"/>
+              </a:solidFill>
+              <a:latin typeface="Bahnschrift" panose="020B0502040204020203" charset="0"/>
+              <a:cs typeface="Bahnschrift" panose="020B0502040204020203" charset="0"/>
+            </a:endParaRPr>
+          </a:p>
+          <a:p>
+            <a:pPr>
+              <a:lnSpc>
+                <a:spcPct val="120000"/>
+              </a:lnSpc>
+            </a:pPr>
+            <a:r>
+              <a:rPr lang="en-US" altLang="en-US">
+                <a:solidFill>
+                  <a:schemeClr val="accent6"/>
+                </a:solidFill>
+                <a:latin typeface="Bahnschrift" panose="020B0502040204020203" charset="0"/>
+                <a:cs typeface="Bahnschrift" panose="020B0502040204020203" charset="0"/>
+              </a:rPr>
+              <a:t> </a:t>
+            </a:r>
+            <a:r>
+              <a:rPr lang="ru-RU" altLang="en-US">
+                <a:solidFill>
+                  <a:schemeClr val="accent6"/>
+                </a:solidFill>
+                <a:latin typeface="Bahnschrift" panose="020B0502040204020203" charset="0"/>
+                <a:cs typeface="Bahnschrift" panose="020B0502040204020203" charset="0"/>
+              </a:rPr>
+              <a:t>Я потратил 6 часов на поиск </a:t>
+            </a:r>
+            <a:r>
+              <a:rPr lang="en-US" altLang="en-US">
+                <a:solidFill>
+                  <a:schemeClr val="accent6"/>
+                </a:solidFill>
+                <a:latin typeface="Bahnschrift" panose="020B0502040204020203" charset="0"/>
+                <a:cs typeface="Bahnschrift" panose="020B0502040204020203" charset="0"/>
+              </a:rPr>
+              <a:t>AJAX! (╯°□°）╯︵ ┻━┻</a:t>
+            </a:r>
+            <a:endParaRPr lang="en-US" altLang="en-US">
+              <a:solidFill>
+                <a:schemeClr val="accent6"/>
+              </a:solidFill>
+              <a:latin typeface="Bahnschrift" panose="020B0502040204020203" charset="0"/>
+              <a:cs typeface="Bahnschrift" panose="020B0502040204020203" charset="0"/>
+            </a:endParaRPr>
+          </a:p>
+        </p:txBody>
+      </p:sp>
     </p:spTree>
   </p:cSld>
   <p:clrMapOvr>
@@ -7585,7 +7901,7 @@
                 <a:latin typeface="Ethnocentric" panose="00000400000000000000" charset="0"/>
                 <a:cs typeface="Ethnocentric" panose="00000400000000000000" charset="0"/>
               </a:rPr>
-              <a:t>Screenshots</a:t>
+              <a:t>AJAX in a nutshell</a:t>
             </a:r>
             <a:endParaRPr lang="en-US" altLang="ru-RU">
               <a:solidFill>
@@ -7601,11 +7917,11 @@
       </p:sp>
       <p:pic>
         <p:nvPicPr>
-          <p:cNvPr id="4" name="Изображение 3" descr="chat"/>
-          <p:cNvPicPr>
-            <a:picLocks noChangeAspect="1"/>
-          </p:cNvPicPr>
-          <p:nvPr/>
+          <p:cNvPr id="101" name="Замещающее содержимое 100"/>
+          <p:cNvPicPr/>
+          <p:nvPr>
+            <p:ph idx="1"/>
+          </p:nvPr>
         </p:nvPicPr>
         <p:blipFill>
           <a:blip r:embed="rId1"/>
@@ -7616,95 +7932,17 @@
         <p:spPr>
           <a:xfrm>
             <a:off x="647700" y="1584325"/>
-            <a:ext cx="7260590" cy="4084320"/>
-          </a:xfrm>
-          <a:prstGeom prst="rect">
-            <a:avLst/>
-          </a:prstGeom>
-        </p:spPr>
-      </p:pic>
-      <p:sp>
-        <p:nvSpPr>
-          <p:cNvPr id="5" name="Текстовое поле 4"/>
-          <p:cNvSpPr txBox="1"/>
-          <p:nvPr/>
-        </p:nvSpPr>
-        <p:spPr>
-          <a:xfrm>
-            <a:off x="7908290" y="1584325"/>
-            <a:ext cx="3255010" cy="521970"/>
+            <a:ext cx="10515600" cy="5032375"/>
           </a:xfrm>
           <a:prstGeom prst="rect">
             <a:avLst/>
           </a:prstGeom>
           <a:noFill/>
+          <a:ln w="9525">
+            <a:noFill/>
+          </a:ln>
         </p:spPr>
-        <p:txBody>
-          <a:bodyPr wrap="square" rtlCol="0">
-            <a:spAutoFit/>
-          </a:bodyPr>
-          <a:p>
-            <a:r>
-              <a:rPr lang="ru-RU" altLang="ru-RU" sz="2800">
-                <a:solidFill>
-                  <a:schemeClr val="accent3"/>
-                </a:solidFill>
-                <a:latin typeface="Bahnschrift" panose="020B0502040204020203" charset="0"/>
-                <a:cs typeface="Bahnschrift" panose="020B0502040204020203" charset="0"/>
-              </a:rPr>
-              <a:t>Вкладка чата</a:t>
-            </a:r>
-            <a:endParaRPr lang="ru-RU" altLang="ru-RU" sz="2800">
-              <a:solidFill>
-                <a:schemeClr val="accent3"/>
-              </a:solidFill>
-              <a:latin typeface="Bahnschrift" panose="020B0502040204020203" charset="0"/>
-              <a:cs typeface="Bahnschrift" panose="020B0502040204020203" charset="0"/>
-            </a:endParaRPr>
-          </a:p>
-        </p:txBody>
-      </p:sp>
-      <p:sp>
-        <p:nvSpPr>
-          <p:cNvPr id="6" name="Текстовое поле 5"/>
-          <p:cNvSpPr txBox="1"/>
-          <p:nvPr/>
-        </p:nvSpPr>
-        <p:spPr>
-          <a:xfrm>
-            <a:off x="7908290" y="2106295"/>
-            <a:ext cx="3255010" cy="953135"/>
-          </a:xfrm>
-          <a:prstGeom prst="rect">
-            <a:avLst/>
-          </a:prstGeom>
-          <a:noFill/>
-        </p:spPr>
-        <p:txBody>
-          <a:bodyPr wrap="square" rtlCol="0">
-            <a:spAutoFit/>
-          </a:bodyPr>
-          <a:p>
-            <a:r>
-              <a:rPr lang="ru-RU" altLang="ru-RU" sz="2800">
-                <a:solidFill>
-                  <a:schemeClr val="accent3"/>
-                </a:solidFill>
-                <a:latin typeface="Bahnschrift" panose="020B0502040204020203" charset="0"/>
-                <a:cs typeface="Bahnschrift" panose="020B0502040204020203" charset="0"/>
-              </a:rPr>
-              <a:t>Вся игра выглядит примерно так</a:t>
-            </a:r>
-            <a:endParaRPr lang="ru-RU" altLang="ru-RU" sz="2800">
-              <a:solidFill>
-                <a:schemeClr val="accent3"/>
-              </a:solidFill>
-              <a:latin typeface="Bahnschrift" panose="020B0502040204020203" charset="0"/>
-              <a:cs typeface="Bahnschrift" panose="020B0502040204020203" charset="0"/>
-            </a:endParaRPr>
-          </a:p>
-        </p:txBody>
-      </p:sp>
+      </p:pic>
     </p:spTree>
   </p:cSld>
   <p:clrMapOvr>
